--- a/2023/5月/04-05-2023.pptx
+++ b/2023/5月/04-05-2023.pptx
@@ -142,6 +142,11 @@
       </a:defRPr>
     </a:lvl9pPr>
   </p:defaultTextStyle>
+  <p:extLst>
+    <p:ext uri="{EFAFB233-063F-42B5-8137-9DF3F51BA10A}">
+      <p15:sldGuideLst xmlns:p15="http://schemas.microsoft.com/office/powerpoint/2012/main"/>
+    </p:ext>
+  </p:extLst>
 </p:presentation>
 </file>
 
@@ -3763,7 +3768,27 @@
                 <a:latin typeface="微軟正黑體" pitchFamily="34" charset="-120"/>
                 <a:ea typeface="微軟正黑體" pitchFamily="34" charset="-120"/>
               </a:rPr>
-              <a:t>都不能隔絕祢的愛</a:t>
+              <a:t>都不能隔絕祢的</a:t>
+            </a:r>
+            <a:r>
+              <a:rPr lang="zh-TW" altLang="en-US" sz="6400" b="1" dirty="0" smtClean="0">
+                <a:solidFill>
+                  <a:srgbClr val="660033"/>
+                </a:solidFill>
+                <a:latin typeface="微軟正黑體" pitchFamily="34" charset="-120"/>
+                <a:ea typeface="微軟正黑體" pitchFamily="34" charset="-120"/>
+              </a:rPr>
+              <a:t>愛  永</a:t>
+            </a:r>
+            <a:r>
+              <a:rPr lang="zh-TW" altLang="en-US" sz="6400" b="1" dirty="0">
+                <a:solidFill>
+                  <a:srgbClr val="660033"/>
+                </a:solidFill>
+                <a:latin typeface="微軟正黑體" pitchFamily="34" charset="-120"/>
+                <a:ea typeface="微軟正黑體" pitchFamily="34" charset="-120"/>
+              </a:rPr>
+              <a:t>不更改</a:t>
             </a:r>
             <a:endParaRPr lang="en-US" altLang="zh-TW" sz="6400" b="1" dirty="0">
               <a:solidFill>
@@ -5809,17 +5834,7 @@
                 <a:latin typeface="Microsoft JhengHei" panose="020B0604030504040204" pitchFamily="34" charset="-120"/>
                 <a:ea typeface="Microsoft JhengHei" panose="020B0604030504040204" pitchFamily="34" charset="-120"/>
               </a:rPr>
-              <a:t> </a:t>
-            </a:r>
-            <a:r>
-              <a:rPr lang="en-US" sz="3600" b="1" dirty="0" smtClean="0">
-                <a:solidFill>
-                  <a:srgbClr val="000066"/>
-                </a:solidFill>
-                <a:latin typeface="Microsoft JhengHei" panose="020B0604030504040204" pitchFamily="34" charset="-120"/>
-                <a:ea typeface="Microsoft JhengHei" panose="020B0604030504040204" pitchFamily="34" charset="-120"/>
-              </a:rPr>
-              <a:t>)</a:t>
+              <a:t> )</a:t>
             </a:r>
             <a:endParaRPr lang="vi-VN" sz="3600" b="1" dirty="0">
               <a:solidFill>
@@ -5978,17 +5993,7 @@
                 <a:latin typeface="Microsoft JhengHei" panose="020B0604030504040204" pitchFamily="34" charset="-120"/>
                 <a:ea typeface="Microsoft JhengHei" panose="020B0604030504040204" pitchFamily="34" charset="-120"/>
               </a:rPr>
-              <a:t> </a:t>
-            </a:r>
-            <a:r>
-              <a:rPr lang="en-US" sz="3600" b="1" dirty="0" smtClean="0">
-                <a:solidFill>
-                  <a:srgbClr val="000066"/>
-                </a:solidFill>
-                <a:latin typeface="Microsoft JhengHei" panose="020B0604030504040204" pitchFamily="34" charset="-120"/>
-                <a:ea typeface="Microsoft JhengHei" panose="020B0604030504040204" pitchFamily="34" charset="-120"/>
-              </a:rPr>
-              <a:t>)</a:t>
+              <a:t> )</a:t>
             </a:r>
             <a:endParaRPr lang="vi-VN" sz="3600" b="1" dirty="0">
               <a:solidFill>
@@ -6094,17 +6099,7 @@
                 <a:latin typeface="微軟正黑體" pitchFamily="34" charset="-120"/>
                 <a:ea typeface="微軟正黑體" pitchFamily="34" charset="-120"/>
               </a:rPr>
-              <a:t>心再堅強也不要獨自飛</a:t>
-            </a:r>
-            <a:r>
-              <a:rPr lang="zh-TW" altLang="en-US" sz="6400" b="1" dirty="0">
-                <a:solidFill>
-                  <a:srgbClr val="000066"/>
-                </a:solidFill>
-                <a:latin typeface="微軟正黑體" pitchFamily="34" charset="-120"/>
-                <a:ea typeface="微軟正黑體" pitchFamily="34" charset="-120"/>
-              </a:rPr>
-              <a:t>翔</a:t>
+              <a:t>心再堅強也不要獨自飛翔</a:t>
             </a:r>
             <a:endParaRPr lang="en-US" altLang="zh-TW" sz="6400" b="1" dirty="0">
               <a:solidFill>
@@ -6167,17 +6162,7 @@
                 <a:latin typeface="Microsoft JhengHei" panose="020B0604030504040204" pitchFamily="34" charset="-120"/>
                 <a:ea typeface="Microsoft JhengHei" panose="020B0604030504040204" pitchFamily="34" charset="-120"/>
               </a:rPr>
-              <a:t> </a:t>
-            </a:r>
-            <a:r>
-              <a:rPr lang="en-US" sz="3600" b="1" dirty="0" smtClean="0">
-                <a:solidFill>
-                  <a:srgbClr val="000066"/>
-                </a:solidFill>
-                <a:latin typeface="Microsoft JhengHei" panose="020B0604030504040204" pitchFamily="34" charset="-120"/>
-                <a:ea typeface="Microsoft JhengHei" panose="020B0604030504040204" pitchFamily="34" charset="-120"/>
-              </a:rPr>
-              <a:t>)</a:t>
+              <a:t> )</a:t>
             </a:r>
             <a:endParaRPr lang="vi-VN" sz="3600" b="1" dirty="0">
               <a:solidFill>
@@ -6336,17 +6321,7 @@
                 <a:latin typeface="Microsoft JhengHei" panose="020B0604030504040204" pitchFamily="34" charset="-120"/>
                 <a:ea typeface="Microsoft JhengHei" panose="020B0604030504040204" pitchFamily="34" charset="-120"/>
               </a:rPr>
-              <a:t> </a:t>
-            </a:r>
-            <a:r>
-              <a:rPr lang="en-US" sz="3600" b="1" dirty="0" smtClean="0">
-                <a:solidFill>
-                  <a:srgbClr val="000066"/>
-                </a:solidFill>
-                <a:latin typeface="Microsoft JhengHei" panose="020B0604030504040204" pitchFamily="34" charset="-120"/>
-                <a:ea typeface="Microsoft JhengHei" panose="020B0604030504040204" pitchFamily="34" charset="-120"/>
-              </a:rPr>
-              <a:t>)</a:t>
+              <a:t> )</a:t>
             </a:r>
             <a:endParaRPr lang="vi-VN" sz="3600" b="1" dirty="0">
               <a:solidFill>
@@ -7073,17 +7048,7 @@
                 <a:latin typeface="Microsoft JhengHei" panose="020B0604030504040204" pitchFamily="34" charset="-120"/>
                 <a:ea typeface="Microsoft JhengHei" panose="020B0604030504040204" pitchFamily="34" charset="-120"/>
               </a:rPr>
-              <a:t> </a:t>
-            </a:r>
-            <a:r>
-              <a:rPr lang="en-US" sz="3600" b="1" dirty="0" smtClean="0">
-                <a:solidFill>
-                  <a:srgbClr val="000066"/>
-                </a:solidFill>
-                <a:latin typeface="Microsoft JhengHei" panose="020B0604030504040204" pitchFamily="34" charset="-120"/>
-                <a:ea typeface="Microsoft JhengHei" panose="020B0604030504040204" pitchFamily="34" charset="-120"/>
-              </a:rPr>
-              <a:t>)</a:t>
+              <a:t> )</a:t>
             </a:r>
             <a:endParaRPr lang="vi-VN" sz="3600" b="1" dirty="0">
               <a:solidFill>
@@ -7242,17 +7207,7 @@
                 <a:latin typeface="Microsoft JhengHei" panose="020B0604030504040204" pitchFamily="34" charset="-120"/>
                 <a:ea typeface="Microsoft JhengHei" panose="020B0604030504040204" pitchFamily="34" charset="-120"/>
               </a:rPr>
-              <a:t> </a:t>
-            </a:r>
-            <a:r>
-              <a:rPr lang="en-US" sz="3600" b="1" dirty="0" smtClean="0">
-                <a:solidFill>
-                  <a:srgbClr val="000066"/>
-                </a:solidFill>
-                <a:latin typeface="Microsoft JhengHei" panose="020B0604030504040204" pitchFamily="34" charset="-120"/>
-                <a:ea typeface="Microsoft JhengHei" panose="020B0604030504040204" pitchFamily="34" charset="-120"/>
-              </a:rPr>
-              <a:t>)</a:t>
+              <a:t> )</a:t>
             </a:r>
             <a:endParaRPr lang="vi-VN" sz="3600" b="1" dirty="0">
               <a:solidFill>
@@ -7358,17 +7313,7 @@
                 <a:latin typeface="微軟正黑體" pitchFamily="34" charset="-120"/>
                 <a:ea typeface="微軟正黑體" pitchFamily="34" charset="-120"/>
               </a:rPr>
-              <a:t>心再堅強也不要獨自飛</a:t>
-            </a:r>
-            <a:r>
-              <a:rPr lang="zh-TW" altLang="en-US" sz="6400" b="1" dirty="0">
-                <a:solidFill>
-                  <a:srgbClr val="000066"/>
-                </a:solidFill>
-                <a:latin typeface="微軟正黑體" pitchFamily="34" charset="-120"/>
-                <a:ea typeface="微軟正黑體" pitchFamily="34" charset="-120"/>
-              </a:rPr>
-              <a:t>翔</a:t>
+              <a:t>心再堅強也不要獨自飛翔</a:t>
             </a:r>
             <a:endParaRPr lang="en-US" altLang="zh-TW" sz="6400" b="1" dirty="0">
               <a:solidFill>
@@ -7431,17 +7376,7 @@
                 <a:latin typeface="Microsoft JhengHei" panose="020B0604030504040204" pitchFamily="34" charset="-120"/>
                 <a:ea typeface="Microsoft JhengHei" panose="020B0604030504040204" pitchFamily="34" charset="-120"/>
               </a:rPr>
-              <a:t> </a:t>
-            </a:r>
-            <a:r>
-              <a:rPr lang="en-US" sz="3600" b="1" dirty="0" smtClean="0">
-                <a:solidFill>
-                  <a:srgbClr val="000066"/>
-                </a:solidFill>
-                <a:latin typeface="Microsoft JhengHei" panose="020B0604030504040204" pitchFamily="34" charset="-120"/>
-                <a:ea typeface="Microsoft JhengHei" panose="020B0604030504040204" pitchFamily="34" charset="-120"/>
-              </a:rPr>
-              <a:t>)</a:t>
+              <a:t> )</a:t>
             </a:r>
             <a:endParaRPr lang="vi-VN" sz="3600" b="1" dirty="0">
               <a:solidFill>
@@ -7600,17 +7535,7 @@
                 <a:latin typeface="Microsoft JhengHei" panose="020B0604030504040204" pitchFamily="34" charset="-120"/>
                 <a:ea typeface="Microsoft JhengHei" panose="020B0604030504040204" pitchFamily="34" charset="-120"/>
               </a:rPr>
-              <a:t> </a:t>
-            </a:r>
-            <a:r>
-              <a:rPr lang="en-US" sz="3600" b="1" dirty="0" smtClean="0">
-                <a:solidFill>
-                  <a:srgbClr val="000066"/>
-                </a:solidFill>
-                <a:latin typeface="Microsoft JhengHei" panose="020B0604030504040204" pitchFamily="34" charset="-120"/>
-                <a:ea typeface="Microsoft JhengHei" panose="020B0604030504040204" pitchFamily="34" charset="-120"/>
-              </a:rPr>
-              <a:t>)</a:t>
+              <a:t> )</a:t>
             </a:r>
             <a:endParaRPr lang="vi-VN" sz="3600" b="1" dirty="0">
               <a:solidFill>
@@ -7747,17 +7672,7 @@
                 <a:latin typeface="Microsoft JhengHei" panose="020B0604030504040204" pitchFamily="34" charset="-120"/>
                 <a:ea typeface="Microsoft JhengHei" panose="020B0604030504040204" pitchFamily="34" charset="-120"/>
               </a:rPr>
-              <a:t> </a:t>
-            </a:r>
-            <a:r>
-              <a:rPr lang="en-US" sz="3600" b="1" dirty="0" smtClean="0">
-                <a:solidFill>
-                  <a:srgbClr val="000066"/>
-                </a:solidFill>
-                <a:latin typeface="Microsoft JhengHei" panose="020B0604030504040204" pitchFamily="34" charset="-120"/>
-                <a:ea typeface="Microsoft JhengHei" panose="020B0604030504040204" pitchFamily="34" charset="-120"/>
-              </a:rPr>
-              <a:t>)</a:t>
+              <a:t> )</a:t>
             </a:r>
             <a:endParaRPr lang="vi-VN" sz="3600" b="1" dirty="0">
               <a:solidFill>
@@ -7916,17 +7831,7 @@
                 <a:latin typeface="Microsoft JhengHei" panose="020B0604030504040204" pitchFamily="34" charset="-120"/>
                 <a:ea typeface="Microsoft JhengHei" panose="020B0604030504040204" pitchFamily="34" charset="-120"/>
               </a:rPr>
-              <a:t> </a:t>
-            </a:r>
-            <a:r>
-              <a:rPr lang="en-US" sz="3600" b="1" dirty="0" smtClean="0">
-                <a:solidFill>
-                  <a:srgbClr val="000066"/>
-                </a:solidFill>
-                <a:latin typeface="Microsoft JhengHei" panose="020B0604030504040204" pitchFamily="34" charset="-120"/>
-                <a:ea typeface="Microsoft JhengHei" panose="020B0604030504040204" pitchFamily="34" charset="-120"/>
-              </a:rPr>
-              <a:t>)</a:t>
+              <a:t> )</a:t>
             </a:r>
             <a:endParaRPr lang="vi-VN" sz="3600" b="1" dirty="0">
               <a:solidFill>
@@ -8032,17 +7937,7 @@
                 <a:latin typeface="微軟正黑體" pitchFamily="34" charset="-120"/>
                 <a:ea typeface="微軟正黑體" pitchFamily="34" charset="-120"/>
               </a:rPr>
-              <a:t>心再堅強也不要獨自飛</a:t>
-            </a:r>
-            <a:r>
-              <a:rPr lang="zh-TW" altLang="en-US" sz="6400" b="1" dirty="0">
-                <a:solidFill>
-                  <a:srgbClr val="000066"/>
-                </a:solidFill>
-                <a:latin typeface="微軟正黑體" pitchFamily="34" charset="-120"/>
-                <a:ea typeface="微軟正黑體" pitchFamily="34" charset="-120"/>
-              </a:rPr>
-              <a:t>翔</a:t>
+              <a:t>心再堅強也不要獨自飛翔</a:t>
             </a:r>
             <a:endParaRPr lang="en-US" altLang="zh-TW" sz="6400" b="1" dirty="0">
               <a:solidFill>
@@ -8105,17 +8000,7 @@
                 <a:latin typeface="Microsoft JhengHei" panose="020B0604030504040204" pitchFamily="34" charset="-120"/>
                 <a:ea typeface="Microsoft JhengHei" panose="020B0604030504040204" pitchFamily="34" charset="-120"/>
               </a:rPr>
-              <a:t> </a:t>
-            </a:r>
-            <a:r>
-              <a:rPr lang="en-US" sz="3600" b="1" dirty="0" smtClean="0">
-                <a:solidFill>
-                  <a:srgbClr val="000066"/>
-                </a:solidFill>
-                <a:latin typeface="Microsoft JhengHei" panose="020B0604030504040204" pitchFamily="34" charset="-120"/>
-                <a:ea typeface="Microsoft JhengHei" panose="020B0604030504040204" pitchFamily="34" charset="-120"/>
-              </a:rPr>
-              <a:t>)</a:t>
+              <a:t> )</a:t>
             </a:r>
             <a:endParaRPr lang="vi-VN" sz="3600" b="1" dirty="0">
               <a:solidFill>
@@ -8274,17 +8159,7 @@
                 <a:latin typeface="Microsoft JhengHei" panose="020B0604030504040204" pitchFamily="34" charset="-120"/>
                 <a:ea typeface="Microsoft JhengHei" panose="020B0604030504040204" pitchFamily="34" charset="-120"/>
               </a:rPr>
-              <a:t> </a:t>
-            </a:r>
-            <a:r>
-              <a:rPr lang="en-US" sz="3600" b="1" dirty="0" smtClean="0">
-                <a:solidFill>
-                  <a:srgbClr val="000066"/>
-                </a:solidFill>
-                <a:latin typeface="Microsoft JhengHei" panose="020B0604030504040204" pitchFamily="34" charset="-120"/>
-                <a:ea typeface="Microsoft JhengHei" panose="020B0604030504040204" pitchFamily="34" charset="-120"/>
-              </a:rPr>
-              <a:t>)</a:t>
+              <a:t> )</a:t>
             </a:r>
             <a:endParaRPr lang="vi-VN" sz="3600" b="1" dirty="0">
               <a:solidFill>
